--- a/연구실_로고_PPT템플릿/[CLEAN]_CryptoCraft Lab 포스터 양식.pptx
+++ b/연구실_로고_PPT템플릿/[CLEAN]_CryptoCraft Lab 포스터 양식.pptx
@@ -243,7 +243,7 @@
           <a:p>
             <a:fld id="{98D99242-00DD-4C54-A747-B139066CE34A}" type="datetimeFigureOut">
               <a:rPr lang="ko-KR" altLang="en-US" smtClean="0"/>
-              <a:t>2021-10-21</a:t>
+              <a:t>2021-10-22</a:t>
             </a:fld>
             <a:endParaRPr lang="ko-KR" altLang="en-US"/>
           </a:p>
@@ -413,7 +413,7 @@
           <a:p>
             <a:fld id="{98D99242-00DD-4C54-A747-B139066CE34A}" type="datetimeFigureOut">
               <a:rPr lang="ko-KR" altLang="en-US" smtClean="0"/>
-              <a:t>2021-10-21</a:t>
+              <a:t>2021-10-22</a:t>
             </a:fld>
             <a:endParaRPr lang="ko-KR" altLang="en-US"/>
           </a:p>
@@ -593,7 +593,7 @@
           <a:p>
             <a:fld id="{98D99242-00DD-4C54-A747-B139066CE34A}" type="datetimeFigureOut">
               <a:rPr lang="ko-KR" altLang="en-US" smtClean="0"/>
-              <a:t>2021-10-21</a:t>
+              <a:t>2021-10-22</a:t>
             </a:fld>
             <a:endParaRPr lang="ko-KR" altLang="en-US"/>
           </a:p>
@@ -763,7 +763,7 @@
           <a:p>
             <a:fld id="{98D99242-00DD-4C54-A747-B139066CE34A}" type="datetimeFigureOut">
               <a:rPr lang="ko-KR" altLang="en-US" smtClean="0"/>
-              <a:t>2021-10-21</a:t>
+              <a:t>2021-10-22</a:t>
             </a:fld>
             <a:endParaRPr lang="ko-KR" altLang="en-US"/>
           </a:p>
@@ -1079,7 +1079,7 @@
           <a:p>
             <a:fld id="{98D99242-00DD-4C54-A747-B139066CE34A}" type="datetimeFigureOut">
               <a:rPr lang="ko-KR" altLang="en-US" smtClean="0"/>
-              <a:t>2021-10-21</a:t>
+              <a:t>2021-10-22</a:t>
             </a:fld>
             <a:endParaRPr lang="ko-KR" altLang="en-US"/>
           </a:p>
@@ -1311,7 +1311,7 @@
           <a:p>
             <a:fld id="{98D99242-00DD-4C54-A747-B139066CE34A}" type="datetimeFigureOut">
               <a:rPr lang="ko-KR" altLang="en-US" smtClean="0"/>
-              <a:t>2021-10-21</a:t>
+              <a:t>2021-10-22</a:t>
             </a:fld>
             <a:endParaRPr lang="ko-KR" altLang="en-US"/>
           </a:p>
@@ -1678,7 +1678,7 @@
           <a:p>
             <a:fld id="{98D99242-00DD-4C54-A747-B139066CE34A}" type="datetimeFigureOut">
               <a:rPr lang="ko-KR" altLang="en-US" smtClean="0"/>
-              <a:t>2021-10-21</a:t>
+              <a:t>2021-10-22</a:t>
             </a:fld>
             <a:endParaRPr lang="ko-KR" altLang="en-US"/>
           </a:p>
@@ -1796,7 +1796,7 @@
           <a:p>
             <a:fld id="{98D99242-00DD-4C54-A747-B139066CE34A}" type="datetimeFigureOut">
               <a:rPr lang="ko-KR" altLang="en-US" smtClean="0"/>
-              <a:t>2021-10-21</a:t>
+              <a:t>2021-10-22</a:t>
             </a:fld>
             <a:endParaRPr lang="ko-KR" altLang="en-US"/>
           </a:p>
@@ -1891,7 +1891,7 @@
           <a:p>
             <a:fld id="{98D99242-00DD-4C54-A747-B139066CE34A}" type="datetimeFigureOut">
               <a:rPr lang="ko-KR" altLang="en-US" smtClean="0"/>
-              <a:t>2021-10-21</a:t>
+              <a:t>2021-10-22</a:t>
             </a:fld>
             <a:endParaRPr lang="ko-KR" altLang="en-US"/>
           </a:p>
@@ -2168,7 +2168,7 @@
           <a:p>
             <a:fld id="{98D99242-00DD-4C54-A747-B139066CE34A}" type="datetimeFigureOut">
               <a:rPr lang="ko-KR" altLang="en-US" smtClean="0"/>
-              <a:t>2021-10-21</a:t>
+              <a:t>2021-10-22</a:t>
             </a:fld>
             <a:endParaRPr lang="ko-KR" altLang="en-US"/>
           </a:p>
@@ -2425,7 +2425,7 @@
           <a:p>
             <a:fld id="{98D99242-00DD-4C54-A747-B139066CE34A}" type="datetimeFigureOut">
               <a:rPr lang="ko-KR" altLang="en-US" smtClean="0"/>
-              <a:t>2021-10-21</a:t>
+              <a:t>2021-10-22</a:t>
             </a:fld>
             <a:endParaRPr lang="ko-KR" altLang="en-US"/>
           </a:p>
@@ -2638,7 +2638,7 @@
           <a:p>
             <a:fld id="{98D99242-00DD-4C54-A747-B139066CE34A}" type="datetimeFigureOut">
               <a:rPr lang="ko-KR" altLang="en-US" smtClean="0"/>
-              <a:t>2021-10-21</a:t>
+              <a:t>2021-10-22</a:t>
             </a:fld>
             <a:endParaRPr lang="ko-KR" altLang="en-US"/>
           </a:p>
@@ -3051,7 +3051,7 @@
         </p:nvSpPr>
         <p:spPr>
           <a:xfrm>
-            <a:off x="21287" y="4127502"/>
+            <a:off x="21287" y="4008231"/>
             <a:ext cx="30253926" cy="1754326"/>
           </a:xfrm>
           <a:prstGeom prst="rect">
@@ -3372,8 +3372,8 @@
         </p:nvSpPr>
         <p:spPr>
           <a:xfrm>
-            <a:off x="708083" y="6432687"/>
-            <a:ext cx="28885975" cy="4524315"/>
+            <a:off x="21287" y="6308814"/>
+            <a:ext cx="30253926" cy="1200329"/>
           </a:xfrm>
           <a:prstGeom prst="rect">
             <a:avLst/>
@@ -3386,41 +3386,10 @@
           </a:bodyPr>
           <a:lstStyle/>
           <a:p>
-            <a:r>
-              <a:rPr lang="ko-KR" altLang="en-US" sz="7200" b="1" dirty="0"/>
+            <a:pPr algn="ctr"/>
+            <a:r>
+              <a:rPr lang="ko-KR" altLang="en-US" sz="7200" b="1"/>
               <a:t>요약</a:t>
-            </a:r>
-            <a:endParaRPr lang="en-US" altLang="ko-KR" sz="7200" b="1" dirty="0"/>
-          </a:p>
-          <a:p>
-            <a:endParaRPr lang="en-US" altLang="ko-KR" sz="5400" dirty="0"/>
-          </a:p>
-          <a:p>
-            <a:pPr marL="685800" indent="-685800">
-              <a:buFont typeface="Arial" panose="020B0604020202020204" pitchFamily="34" charset="0"/>
-              <a:buChar char="•"/>
-            </a:pPr>
-            <a:r>
-              <a:rPr lang="ko-KR" altLang="en-US" sz="5400" dirty="0"/>
-              <a:t>내용</a:t>
-            </a:r>
-            <a:endParaRPr lang="en-US" altLang="ko-KR" sz="5400" dirty="0"/>
-          </a:p>
-          <a:p>
-            <a:pPr marL="685800" indent="-685800">
-              <a:buFont typeface="Arial" panose="020B0604020202020204" pitchFamily="34" charset="0"/>
-              <a:buChar char="•"/>
-            </a:pPr>
-            <a:endParaRPr lang="en-US" altLang="ko-KR" sz="5400" dirty="0"/>
-          </a:p>
-          <a:p>
-            <a:pPr marL="685800" indent="-685800">
-              <a:buFont typeface="Arial" panose="020B0604020202020204" pitchFamily="34" charset="0"/>
-              <a:buChar char="•"/>
-            </a:pPr>
-            <a:r>
-              <a:rPr lang="ko-KR" altLang="en-US" sz="5400" dirty="0"/>
-              <a:t>내용</a:t>
             </a:r>
             <a:endParaRPr lang="en-US" altLang="ko-KR" sz="5400" dirty="0"/>
           </a:p>
@@ -3440,7 +3409,7 @@
         </p:nvSpPr>
         <p:spPr>
           <a:xfrm>
-            <a:off x="708083" y="14441850"/>
+            <a:off x="708083" y="10728539"/>
             <a:ext cx="28885975" cy="6186309"/>
           </a:xfrm>
           <a:prstGeom prst="rect">
@@ -3455,17 +3424,17 @@
           <a:lstStyle/>
           <a:p>
             <a:r>
-              <a:rPr lang="en-US" altLang="ko-KR" sz="7200" b="1" dirty="0"/>
+              <a:rPr lang="en-US" altLang="ko-KR" sz="7200" b="1"/>
               <a:t>?</a:t>
             </a:r>
             <a:r>
-              <a:rPr lang="ko-KR" altLang="en-US" sz="7200" b="1" dirty="0"/>
+              <a:rPr lang="ko-KR" altLang="en-US" sz="7200" b="1"/>
               <a:t>장</a:t>
             </a:r>
-            <a:endParaRPr lang="en-US" altLang="ko-KR" sz="7200" b="1" dirty="0"/>
-          </a:p>
-          <a:p>
-            <a:endParaRPr lang="en-US" altLang="ko-KR" sz="5400" dirty="0"/>
+            <a:endParaRPr lang="en-US" altLang="ko-KR" sz="7200" b="1"/>
+          </a:p>
+          <a:p>
+            <a:endParaRPr lang="en-US" altLang="ko-KR" sz="5400"/>
           </a:p>
           <a:p>
             <a:pPr marL="685800" indent="-685800">
@@ -3473,7 +3442,7 @@
               <a:buChar char="•"/>
             </a:pPr>
             <a:r>
-              <a:rPr lang="ko-KR" altLang="en-US" sz="5400" dirty="0"/>
+              <a:rPr lang="ko-KR" altLang="en-US" sz="5400"/>
               <a:t>내용</a:t>
             </a:r>
             <a:endParaRPr lang="en-US" altLang="ko-KR" sz="5400" dirty="0"/>
@@ -3518,10 +3487,70 @@
       </p:sp>
       <p:sp>
         <p:nvSpPr>
-          <p:cNvPr id="26" name="TextBox 25">
+          <p:cNvPr id="11" name="모서리가 둥근 직사각형 19">
             <a:extLst>
               <a:ext uri="{FF2B5EF4-FFF2-40B4-BE49-F238E27FC236}">
-                <a16:creationId xmlns:a16="http://schemas.microsoft.com/office/drawing/2014/main" id="{C46D5260-2A83-42FF-A91C-1C7978D65D00}"/>
+                <a16:creationId xmlns:a16="http://schemas.microsoft.com/office/drawing/2014/main" id="{2F2BCEA1-8B9C-430F-8DA4-AD59F0A4C427}"/>
+              </a:ext>
+            </a:extLst>
+          </p:cNvPr>
+          <p:cNvSpPr/>
+          <p:nvPr/>
+        </p:nvSpPr>
+        <p:spPr>
+          <a:xfrm>
+            <a:off x="708083" y="6264393"/>
+            <a:ext cx="28885975" cy="35241415"/>
+          </a:xfrm>
+          <a:prstGeom prst="roundRect">
+            <a:avLst>
+              <a:gd name="adj" fmla="val 4418"/>
+            </a:avLst>
+          </a:prstGeom>
+          <a:noFill/>
+          <a:ln w="19050">
+            <a:solidFill>
+              <a:schemeClr val="accent1">
+                <a:lumMod val="75000"/>
+              </a:schemeClr>
+            </a:solidFill>
+          </a:ln>
+        </p:spPr>
+        <p:style>
+          <a:lnRef idx="2">
+            <a:schemeClr val="accent1">
+              <a:shade val="50000"/>
+            </a:schemeClr>
+          </a:lnRef>
+          <a:fillRef idx="1">
+            <a:schemeClr val="accent1"/>
+          </a:fillRef>
+          <a:effectRef idx="0">
+            <a:schemeClr val="accent1"/>
+          </a:effectRef>
+          <a:fontRef idx="minor">
+            <a:schemeClr val="lt1"/>
+          </a:fontRef>
+        </p:style>
+        <p:txBody>
+          <a:bodyPr rtlCol="0" anchor="ctr"/>
+          <a:lstStyle/>
+          <a:p>
+            <a:pPr algn="ctr"/>
+            <a:endParaRPr lang="ko-KR" altLang="en-US" sz="13800" dirty="0">
+              <a:solidFill>
+                <a:schemeClr val="tx1"/>
+              </a:solidFill>
+            </a:endParaRPr>
+          </a:p>
+        </p:txBody>
+      </p:sp>
+      <p:sp>
+        <p:nvSpPr>
+          <p:cNvPr id="2" name="TextBox 1">
+            <a:extLst>
+              <a:ext uri="{FF2B5EF4-FFF2-40B4-BE49-F238E27FC236}">
+                <a16:creationId xmlns:a16="http://schemas.microsoft.com/office/drawing/2014/main" id="{2D2F6291-F600-4F27-8E11-B69099165547}"/>
               </a:ext>
             </a:extLst>
           </p:cNvPr>
@@ -3530,8 +3559,8 @@
         </p:nvSpPr>
         <p:spPr>
           <a:xfrm>
-            <a:off x="708083" y="24113007"/>
-            <a:ext cx="28885975" cy="6186309"/>
+            <a:off x="681155" y="7597339"/>
+            <a:ext cx="28885975" cy="923330"/>
           </a:xfrm>
           <a:prstGeom prst="rect">
             <a:avLst/>
@@ -3539,160 +3568,17 @@
           <a:noFill/>
         </p:spPr>
         <p:txBody>
-          <a:bodyPr wrap="square" rtlCol="0" anchor="ctr">
+          <a:bodyPr wrap="square" rtlCol="0">
             <a:spAutoFit/>
           </a:bodyPr>
           <a:lstStyle/>
           <a:p>
             <a:r>
-              <a:rPr lang="en-US" altLang="ko-KR" sz="7200" b="1" dirty="0"/>
-              <a:t>?</a:t>
-            </a:r>
-            <a:r>
-              <a:rPr lang="ko-KR" altLang="en-US" sz="7200" b="1" dirty="0"/>
-              <a:t>장</a:t>
-            </a:r>
-            <a:endParaRPr lang="en-US" altLang="ko-KR" sz="7200" b="1" dirty="0"/>
-          </a:p>
-          <a:p>
-            <a:endParaRPr lang="en-US" altLang="ko-KR" sz="5400" dirty="0"/>
-          </a:p>
-          <a:p>
-            <a:pPr marL="685800" indent="-685800">
-              <a:buFont typeface="Arial" panose="020B0604020202020204" pitchFamily="34" charset="0"/>
-              <a:buChar char="•"/>
-            </a:pPr>
-            <a:r>
-              <a:rPr lang="ko-KR" altLang="en-US" sz="5400" dirty="0"/>
-              <a:t>내용</a:t>
-            </a:r>
-            <a:endParaRPr lang="en-US" altLang="ko-KR" sz="5400" dirty="0"/>
-          </a:p>
-          <a:p>
-            <a:pPr marL="685800" indent="-685800">
-              <a:buFont typeface="Arial" panose="020B0604020202020204" pitchFamily="34" charset="0"/>
-              <a:buChar char="•"/>
-            </a:pPr>
-            <a:endParaRPr lang="en-US" altLang="ko-KR" sz="5400" dirty="0"/>
-          </a:p>
-          <a:p>
-            <a:pPr marL="685800" indent="-685800">
-              <a:buFont typeface="Arial" panose="020B0604020202020204" pitchFamily="34" charset="0"/>
-              <a:buChar char="•"/>
-            </a:pPr>
-            <a:r>
-              <a:rPr lang="ko-KR" altLang="en-US" sz="5400" dirty="0"/>
-              <a:t>내용</a:t>
-            </a:r>
-            <a:endParaRPr lang="en-US" altLang="ko-KR" sz="5400" dirty="0"/>
-          </a:p>
-          <a:p>
-            <a:pPr marL="685800" indent="-685800">
-              <a:buFont typeface="Arial" panose="020B0604020202020204" pitchFamily="34" charset="0"/>
-              <a:buChar char="•"/>
-            </a:pPr>
-            <a:endParaRPr lang="en-US" altLang="ko-KR" sz="5400" dirty="0"/>
-          </a:p>
-          <a:p>
-            <a:pPr marL="685800" indent="-685800">
-              <a:buFont typeface="Arial" panose="020B0604020202020204" pitchFamily="34" charset="0"/>
-              <a:buChar char="•"/>
-            </a:pPr>
-            <a:r>
-              <a:rPr lang="ko-KR" altLang="en-US" sz="5400" dirty="0"/>
-              <a:t>내용</a:t>
-            </a:r>
-            <a:endParaRPr lang="en-US" altLang="ko-KR" sz="5400" dirty="0"/>
-          </a:p>
-        </p:txBody>
-      </p:sp>
-      <p:sp>
-        <p:nvSpPr>
-          <p:cNvPr id="30" name="TextBox 29">
-            <a:extLst>
-              <a:ext uri="{FF2B5EF4-FFF2-40B4-BE49-F238E27FC236}">
-                <a16:creationId xmlns:a16="http://schemas.microsoft.com/office/drawing/2014/main" id="{A270758B-C92A-4FF0-9DBD-47FA6CBCC9AE}"/>
-              </a:ext>
-            </a:extLst>
-          </p:cNvPr>
-          <p:cNvSpPr txBox="1"/>
-          <p:nvPr/>
-        </p:nvSpPr>
-        <p:spPr>
-          <a:xfrm>
-            <a:off x="708083" y="33784164"/>
-            <a:ext cx="28885975" cy="6186309"/>
-          </a:xfrm>
-          <a:prstGeom prst="rect">
-            <a:avLst/>
-          </a:prstGeom>
-          <a:noFill/>
-        </p:spPr>
-        <p:txBody>
-          <a:bodyPr wrap="square" rtlCol="0" anchor="ctr">
-            <a:spAutoFit/>
-          </a:bodyPr>
-          <a:lstStyle/>
-          <a:p>
-            <a:r>
-              <a:rPr lang="en-US" altLang="ko-KR" sz="7200" b="1" dirty="0"/>
-              <a:t>?</a:t>
-            </a:r>
-            <a:r>
-              <a:rPr lang="ko-KR" altLang="en-US" sz="7200" b="1" dirty="0"/>
-              <a:t>장</a:t>
-            </a:r>
-            <a:endParaRPr lang="en-US" altLang="ko-KR" sz="7200" b="1" dirty="0"/>
-          </a:p>
-          <a:p>
-            <a:endParaRPr lang="en-US" altLang="ko-KR" sz="5400" dirty="0"/>
-          </a:p>
-          <a:p>
-            <a:pPr marL="685800" indent="-685800">
-              <a:buFont typeface="Arial" panose="020B0604020202020204" pitchFamily="34" charset="0"/>
-              <a:buChar char="•"/>
-            </a:pPr>
-            <a:r>
-              <a:rPr lang="ko-KR" altLang="en-US" sz="5400" dirty="0"/>
-              <a:t>내용</a:t>
-            </a:r>
-            <a:endParaRPr lang="en-US" altLang="ko-KR" sz="5400" dirty="0"/>
-          </a:p>
-          <a:p>
-            <a:pPr marL="685800" indent="-685800">
-              <a:buFont typeface="Arial" panose="020B0604020202020204" pitchFamily="34" charset="0"/>
-              <a:buChar char="•"/>
-            </a:pPr>
-            <a:endParaRPr lang="en-US" altLang="ko-KR" sz="5400" dirty="0"/>
-          </a:p>
-          <a:p>
-            <a:pPr marL="685800" indent="-685800">
-              <a:buFont typeface="Arial" panose="020B0604020202020204" pitchFamily="34" charset="0"/>
-              <a:buChar char="•"/>
-            </a:pPr>
-            <a:r>
-              <a:rPr lang="ko-KR" altLang="en-US" sz="5400" dirty="0"/>
-              <a:t>내용</a:t>
-            </a:r>
-            <a:endParaRPr lang="en-US" altLang="ko-KR" sz="5400" dirty="0"/>
-          </a:p>
-          <a:p>
-            <a:pPr marL="685800" indent="-685800">
-              <a:buFont typeface="Arial" panose="020B0604020202020204" pitchFamily="34" charset="0"/>
-              <a:buChar char="•"/>
-            </a:pPr>
-            <a:endParaRPr lang="en-US" altLang="ko-KR" sz="5400" dirty="0"/>
-          </a:p>
-          <a:p>
-            <a:pPr marL="685800" indent="-685800">
-              <a:buFont typeface="Arial" panose="020B0604020202020204" pitchFamily="34" charset="0"/>
-              <a:buChar char="•"/>
-            </a:pPr>
-            <a:r>
-              <a:rPr lang="ko-KR" altLang="en-US" sz="5400" dirty="0"/>
-              <a:t>내용</a:t>
-            </a:r>
-            <a:endParaRPr lang="en-US" altLang="ko-KR" sz="5400" dirty="0"/>
+              <a:rPr lang="ko-KR" altLang="en-US" sz="5400">
+                <a:latin typeface="+mn-ea"/>
+              </a:rPr>
+              <a:t>요약 내용</a:t>
+            </a:r>
           </a:p>
         </p:txBody>
       </p:sp>
